--- a/_LECTIONS/1/1.pptx
+++ b/_LECTIONS/1/1.pptx
@@ -143,6 +143,11 @@
       </a:defRPr>
     </a:lvl9pPr>
   </p:defaultTextStyle>
+  <p:extLst>
+    <p:ext uri="{EFAFB233-063F-42B5-8137-9DF3F51BA10A}">
+      <p15:sldGuideLst xmlns:p15="http://schemas.microsoft.com/office/powerpoint/2012/main"/>
+    </p:ext>
+  </p:extLst>
 </p:presentation>
 </file>
 
@@ -4427,7 +4432,7 @@
             <a:fld id="{B61BEF0D-F0BB-DE4B-95CE-6DB70DBA9567}" type="datetimeFigureOut">
               <a:rPr lang="en-US" dirty="0"/>
               <a:pPr/>
-              <a:t>4/26/2020</a:t>
+              <a:t>6/6/2020</a:t>
             </a:fld>
             <a:endParaRPr lang="en-US" dirty="0"/>
           </a:p>
@@ -6547,7 +6552,9 @@
         </p:nvSpPr>
         <p:spPr/>
         <p:txBody>
-          <a:bodyPr/>
+          <a:bodyPr>
+            <a:normAutofit fontScale="25000" lnSpcReduction="20000"/>
+          </a:bodyPr>
           <a:lstStyle/>
           <a:p>
             <a:pPr marL="0" indent="0">
@@ -6860,7 +6867,9 @@
         </p:nvSpPr>
         <p:spPr/>
         <p:txBody>
-          <a:bodyPr/>
+          <a:bodyPr>
+            <a:normAutofit fontScale="40000" lnSpcReduction="20000"/>
+          </a:bodyPr>
           <a:lstStyle/>
           <a:p>
             <a:r>
@@ -7023,7 +7032,9 @@
         </p:nvSpPr>
         <p:spPr/>
         <p:txBody>
-          <a:bodyPr/>
+          <a:bodyPr>
+            <a:normAutofit fontScale="25000" lnSpcReduction="20000"/>
+          </a:bodyPr>
           <a:lstStyle/>
           <a:p>
             <a:pPr marL="457200" indent="-457200">
@@ -7468,7 +7479,9 @@
         </p:nvSpPr>
         <p:spPr/>
         <p:txBody>
-          <a:bodyPr/>
+          <a:bodyPr>
+            <a:normAutofit fontScale="62500" lnSpcReduction="20000"/>
+          </a:bodyPr>
           <a:lstStyle/>
           <a:p>
             <a:endParaRPr lang="ru-RU" dirty="0"/>
@@ -7574,7 +7587,7 @@
         <p:spPr/>
         <p:txBody>
           <a:bodyPr>
-            <a:normAutofit fontScale="92500" lnSpcReduction="10000"/>
+            <a:normAutofit fontScale="32500" lnSpcReduction="20000"/>
           </a:bodyPr>
           <a:lstStyle/>
           <a:p>
@@ -7890,7 +7903,9 @@
         </p:nvSpPr>
         <p:spPr/>
         <p:txBody>
-          <a:bodyPr/>
+          <a:bodyPr>
+            <a:normAutofit fontScale="25000" lnSpcReduction="20000"/>
+          </a:bodyPr>
           <a:lstStyle/>
           <a:p>
             <a:r>
@@ -8063,7 +8078,9 @@
         </p:nvSpPr>
         <p:spPr/>
         <p:txBody>
-          <a:bodyPr/>
+          <a:bodyPr>
+            <a:normAutofit fontScale="77500" lnSpcReduction="20000"/>
+          </a:bodyPr>
           <a:lstStyle/>
           <a:p>
             <a:r>
@@ -8175,7 +8192,9 @@
         </p:nvSpPr>
         <p:spPr/>
         <p:txBody>
-          <a:bodyPr/>
+          <a:bodyPr>
+            <a:normAutofit fontScale="32500" lnSpcReduction="20000"/>
+          </a:bodyPr>
           <a:lstStyle/>
           <a:p>
             <a:r>
@@ -8586,10 +8605,15 @@
             <p:ph type="subTitle"/>
           </p:nvPr>
         </p:nvSpPr>
-        <p:spPr/>
+        <p:spPr>
+          <a:xfrm>
+            <a:off x="504000" y="3054145"/>
+            <a:ext cx="9071640" cy="1262160"/>
+          </a:xfrm>
+        </p:spPr>
         <p:txBody>
           <a:bodyPr>
-            <a:normAutofit lnSpcReduction="10000"/>
+            <a:normAutofit fontScale="40000" lnSpcReduction="20000"/>
           </a:bodyPr>
           <a:lstStyle/>
           <a:p>
@@ -8891,7 +8915,9 @@
         </p:nvSpPr>
         <p:spPr/>
         <p:txBody>
-          <a:bodyPr/>
+          <a:bodyPr>
+            <a:normAutofit fontScale="32500" lnSpcReduction="20000"/>
+          </a:bodyPr>
           <a:lstStyle/>
           <a:p>
             <a:r>
@@ -9061,7 +9087,7 @@
         <p:spPr/>
         <p:txBody>
           <a:bodyPr>
-            <a:normAutofit fontScale="92500" lnSpcReduction="10000"/>
+            <a:normAutofit fontScale="40000" lnSpcReduction="20000"/>
           </a:bodyPr>
           <a:lstStyle/>
           <a:p>
@@ -9512,7 +9538,9 @@
         </p:nvSpPr>
         <p:spPr/>
         <p:txBody>
-          <a:bodyPr/>
+          <a:bodyPr>
+            <a:normAutofit fontScale="70000" lnSpcReduction="20000"/>
+          </a:bodyPr>
           <a:lstStyle/>
           <a:p>
             <a:r>
@@ -9623,7 +9651,9 @@
         </p:nvSpPr>
         <p:spPr/>
         <p:txBody>
-          <a:bodyPr/>
+          <a:bodyPr>
+            <a:normAutofit fontScale="47500" lnSpcReduction="20000"/>
+          </a:bodyPr>
           <a:lstStyle/>
           <a:p>
             <a:r>
@@ -9800,7 +9830,9 @@
         </p:nvSpPr>
         <p:spPr/>
         <p:txBody>
-          <a:bodyPr/>
+          <a:bodyPr>
+            <a:normAutofit fontScale="40000" lnSpcReduction="20000"/>
+          </a:bodyPr>
           <a:lstStyle/>
           <a:p>
             <a:r>
@@ -9958,7 +9990,9 @@
         </p:nvSpPr>
         <p:spPr/>
         <p:txBody>
-          <a:bodyPr/>
+          <a:bodyPr>
+            <a:normAutofit fontScale="25000" lnSpcReduction="20000"/>
+          </a:bodyPr>
           <a:lstStyle/>
           <a:p>
             <a:r>
@@ -10203,7 +10237,9 @@
         </p:nvSpPr>
         <p:spPr/>
         <p:txBody>
-          <a:bodyPr/>
+          <a:bodyPr>
+            <a:normAutofit fontScale="62500" lnSpcReduction="20000"/>
+          </a:bodyPr>
           <a:lstStyle/>
           <a:p>
             <a:r>
@@ -10313,7 +10349,9 @@
         </p:nvSpPr>
         <p:spPr/>
         <p:txBody>
-          <a:bodyPr/>
+          <a:bodyPr>
+            <a:normAutofit fontScale="62500" lnSpcReduction="20000"/>
+          </a:bodyPr>
           <a:lstStyle/>
           <a:p>
             <a:r>
@@ -10588,7 +10626,9 @@
         </p:nvSpPr>
         <p:spPr/>
         <p:txBody>
-          <a:bodyPr/>
+          <a:bodyPr>
+            <a:normAutofit fontScale="25000" lnSpcReduction="20000"/>
+          </a:bodyPr>
           <a:lstStyle/>
           <a:p>
             <a:pPr marL="0" indent="0">
@@ -10912,7 +10952,9 @@
         </p:nvSpPr>
         <p:spPr/>
         <p:txBody>
-          <a:bodyPr/>
+          <a:bodyPr>
+            <a:normAutofit fontScale="77500" lnSpcReduction="20000"/>
+          </a:bodyPr>
           <a:lstStyle/>
           <a:p>
             <a:r>
@@ -11027,7 +11069,9 @@
         </p:nvSpPr>
         <p:spPr/>
         <p:txBody>
-          <a:bodyPr/>
+          <a:bodyPr>
+            <a:normAutofit fontScale="55000" lnSpcReduction="20000"/>
+          </a:bodyPr>
           <a:lstStyle/>
           <a:p>
             <a:r>
@@ -12205,7 +12249,9 @@
         </p:nvSpPr>
         <p:spPr/>
         <p:txBody>
-          <a:bodyPr/>
+          <a:bodyPr>
+            <a:normAutofit fontScale="47500" lnSpcReduction="20000"/>
+          </a:bodyPr>
           <a:lstStyle/>
           <a:p>
             <a:r>
@@ -15213,7 +15259,9 @@
         </p:nvSpPr>
         <p:spPr/>
         <p:txBody>
-          <a:bodyPr/>
+          <a:bodyPr>
+            <a:normAutofit fontScale="85000" lnSpcReduction="20000"/>
+          </a:bodyPr>
           <a:lstStyle/>
           <a:p>
             <a:r>
@@ -15551,7 +15599,9 @@
         </p:nvSpPr>
         <p:spPr/>
         <p:txBody>
-          <a:bodyPr/>
+          <a:bodyPr>
+            <a:normAutofit fontScale="47500" lnSpcReduction="20000"/>
+          </a:bodyPr>
           <a:lstStyle/>
           <a:p>
             <a:r>
@@ -15697,7 +15747,7 @@
         <p:spPr/>
         <p:txBody>
           <a:bodyPr>
-            <a:normAutofit/>
+            <a:normAutofit fontScale="92500" lnSpcReduction="10000"/>
           </a:bodyPr>
           <a:lstStyle/>
           <a:p>
@@ -16010,7 +16060,9 @@
         </p:nvSpPr>
         <p:spPr/>
         <p:txBody>
-          <a:bodyPr/>
+          <a:bodyPr>
+            <a:normAutofit fontScale="25000" lnSpcReduction="20000"/>
+          </a:bodyPr>
           <a:lstStyle/>
           <a:p>
             <a:r>
@@ -16263,7 +16315,9 @@
         </p:nvSpPr>
         <p:spPr/>
         <p:txBody>
-          <a:bodyPr/>
+          <a:bodyPr>
+            <a:normAutofit fontScale="32500" lnSpcReduction="20000"/>
+          </a:bodyPr>
           <a:lstStyle/>
           <a:p>
             <a:pPr marL="0" indent="0">
